--- a/Modelització del COVID-19 a Catalunya per comarques.pptx
+++ b/Modelització del COVID-19 a Catalunya per comarques.pptx
@@ -25,28 +25,36 @@
     <p:sldId id="270" r:id="rId20"/>
     <p:sldId id="271" r:id="rId21"/>
     <p:sldId id="272" r:id="rId22"/>
+    <p:sldId id="273" r:id="rId23"/>
   </p:sldIdLst>
   <p:sldSz cy="5143500" cx="9144000"/>
   <p:notesSz cx="6858000" cy="9144000"/>
   <p:embeddedFontLst>
     <p:embeddedFont>
+      <p:font typeface="Roboto Serif"/>
+      <p:regular r:id="rId24"/>
+      <p:bold r:id="rId25"/>
+      <p:italic r:id="rId26"/>
+      <p:boldItalic r:id="rId27"/>
+    </p:embeddedFont>
+    <p:embeddedFont>
       <p:font typeface="Playfair Display"/>
-      <p:regular r:id="rId23"/>
-      <p:bold r:id="rId24"/>
-      <p:italic r:id="rId25"/>
-      <p:boldItalic r:id="rId26"/>
+      <p:regular r:id="rId28"/>
+      <p:bold r:id="rId29"/>
+      <p:italic r:id="rId30"/>
+      <p:boldItalic r:id="rId31"/>
     </p:embeddedFont>
     <p:embeddedFont>
       <p:font typeface="Montserrat"/>
-      <p:regular r:id="rId27"/>
-      <p:bold r:id="rId28"/>
-      <p:italic r:id="rId29"/>
-      <p:boldItalic r:id="rId30"/>
+      <p:regular r:id="rId32"/>
+      <p:bold r:id="rId33"/>
+      <p:italic r:id="rId34"/>
+      <p:boldItalic r:id="rId35"/>
     </p:embeddedFont>
     <p:embeddedFont>
       <p:font typeface="Oswald"/>
-      <p:regular r:id="rId31"/>
-      <p:bold r:id="rId32"/>
+      <p:regular r:id="rId36"/>
+      <p:bold r:id="rId37"/>
     </p:embeddedFont>
   </p:embeddedFontLst>
   <p:defaultTextStyle>
@@ -1237,7 +1245,7 @@
       </p:grpSpPr>
       <p:sp>
         <p:nvSpPr>
-          <p:cNvPr id="147" name="Google Shape;147;g2dc6cb66a83_0_112:notes"/>
+          <p:cNvPr id="147" name="Google Shape;147;g2dd7dbcd329_0_0:notes"/>
           <p:cNvSpPr/>
           <p:nvPr>
             <p:ph idx="2" type="sldImg"/>
@@ -1272,7 +1280,7 @@
       </p:sp>
       <p:sp>
         <p:nvSpPr>
-          <p:cNvPr id="148" name="Google Shape;148;g2dc6cb66a83_0_112:notes"/>
+          <p:cNvPr id="148" name="Google Shape;148;g2dd7dbcd329_0_0:notes"/>
           <p:cNvSpPr txBox="1"/>
           <p:nvPr>
             <p:ph idx="1" type="body"/>
@@ -1322,7 +1330,7 @@
   <p:cSld>
     <p:spTree>
       <p:nvGrpSpPr>
-        <p:cNvPr id="154" name="Shape 154"/>
+        <p:cNvPr id="153" name="Shape 153"/>
         <p:cNvGrpSpPr/>
         <p:nvPr/>
       </p:nvGrpSpPr>
@@ -1336,7 +1344,7 @@
       </p:grpSpPr>
       <p:sp>
         <p:nvSpPr>
-          <p:cNvPr id="155" name="Google Shape;155;g2dc6cb66a83_0_138:notes"/>
+          <p:cNvPr id="154" name="Google Shape;154;g2dc6cb66a83_0_112:notes"/>
           <p:cNvSpPr/>
           <p:nvPr>
             <p:ph idx="2" type="sldImg"/>
@@ -1371,7 +1379,7 @@
       </p:sp>
       <p:sp>
         <p:nvSpPr>
-          <p:cNvPr id="156" name="Google Shape;156;g2dc6cb66a83_0_138:notes"/>
+          <p:cNvPr id="155" name="Google Shape;155;g2dc6cb66a83_0_112:notes"/>
           <p:cNvSpPr txBox="1"/>
           <p:nvPr>
             <p:ph idx="1" type="body"/>
@@ -1435,7 +1443,7 @@
       </p:grpSpPr>
       <p:sp>
         <p:nvSpPr>
-          <p:cNvPr id="162" name="Google Shape;162;g2dc6cb66a83_0_146:notes"/>
+          <p:cNvPr id="162" name="Google Shape;162;g2dc6cb66a83_0_138:notes"/>
           <p:cNvSpPr/>
           <p:nvPr>
             <p:ph idx="2" type="sldImg"/>
@@ -1470,7 +1478,7 @@
       </p:sp>
       <p:sp>
         <p:nvSpPr>
-          <p:cNvPr id="163" name="Google Shape;163;g2dc6cb66a83_0_146:notes"/>
+          <p:cNvPr id="163" name="Google Shape;163;g2dc6cb66a83_0_138:notes"/>
           <p:cNvSpPr txBox="1"/>
           <p:nvPr>
             <p:ph idx="1" type="body"/>
@@ -1520,7 +1528,7 @@
   <p:cSld>
     <p:spTree>
       <p:nvGrpSpPr>
-        <p:cNvPr id="167" name="Shape 167"/>
+        <p:cNvPr id="168" name="Shape 168"/>
         <p:cNvGrpSpPr/>
         <p:nvPr/>
       </p:nvGrpSpPr>
@@ -1534,7 +1542,7 @@
       </p:grpSpPr>
       <p:sp>
         <p:nvSpPr>
-          <p:cNvPr id="168" name="Google Shape;168;g2dc6cb66a83_0_130:notes"/>
+          <p:cNvPr id="169" name="Google Shape;169;g2dc6cb66a83_0_146:notes"/>
           <p:cNvSpPr/>
           <p:nvPr>
             <p:ph idx="2" type="sldImg"/>
@@ -1569,7 +1577,106 @@
       </p:sp>
       <p:sp>
         <p:nvSpPr>
-          <p:cNvPr id="169" name="Google Shape;169;g2dc6cb66a83_0_130:notes"/>
+          <p:cNvPr id="170" name="Google Shape;170;g2dc6cb66a83_0_146:notes"/>
+          <p:cNvSpPr txBox="1"/>
+          <p:nvPr>
+            <p:ph idx="1" type="body"/>
+          </p:nvPr>
+        </p:nvSpPr>
+        <p:spPr>
+          <a:xfrm>
+            <a:off x="685800" y="4343400"/>
+            <a:ext cx="5486400" cy="4114800"/>
+          </a:xfrm>
+          <a:prstGeom prst="rect">
+            <a:avLst/>
+          </a:prstGeom>
+        </p:spPr>
+        <p:txBody>
+          <a:bodyPr anchorCtr="0" anchor="t" bIns="91425" lIns="91425" spcFirstLastPara="1" rIns="91425" wrap="square" tIns="91425">
+            <a:noAutofit/>
+          </a:bodyPr>
+          <a:lstStyle/>
+          <a:p>
+            <a:pPr indent="0" lvl="0" marL="0" rtl="0" algn="l">
+              <a:spcBef>
+                <a:spcPts val="0"/>
+              </a:spcBef>
+              <a:spcAft>
+                <a:spcPts val="0"/>
+              </a:spcAft>
+              <a:buNone/>
+            </a:pPr>
+            <a:r>
+              <a:t/>
+            </a:r>
+            <a:endParaRPr/>
+          </a:p>
+        </p:txBody>
+      </p:sp>
+    </p:spTree>
+  </p:cSld>
+  <p:clrMapOvr>
+    <a:masterClrMapping/>
+  </p:clrMapOvr>
+</p:notes>
+</file>
+
+<file path=ppt/notesSlides/notesSlide18.xml><?xml version="1.0" encoding="utf-8"?>
+<p:notes xmlns:a="http://schemas.openxmlformats.org/drawingml/2006/main" xmlns:r="http://schemas.openxmlformats.org/officeDocument/2006/relationships" xmlns:mc="http://schemas.openxmlformats.org/markup-compatibility/2006" xmlns:mv="urn:schemas-microsoft-com:mac:vml" xmlns:p="http://schemas.openxmlformats.org/presentationml/2006/main" xmlns:c="http://schemas.openxmlformats.org/drawingml/2006/chart" xmlns:dgm="http://schemas.openxmlformats.org/drawingml/2006/diagram" xmlns:o="urn:schemas-microsoft-com:office:office" xmlns:v="urn:schemas-microsoft-com:vml" xmlns:pvml="urn:schemas-microsoft-com:office:powerpoint" xmlns:com="http://schemas.openxmlformats.org/drawingml/2006/compatibility" xmlns:p14="http://schemas.microsoft.com/office/powerpoint/2010/main" xmlns:p15="http://schemas.microsoft.com/office/powerpoint/2012/main" xmlns:ahyp="http://schemas.microsoft.com/office/drawing/2018/hyperlinkcolor" showMasterPhAnim="0" showMasterSp="0">
+  <p:cSld>
+    <p:spTree>
+      <p:nvGrpSpPr>
+        <p:cNvPr id="174" name="Shape 174"/>
+        <p:cNvGrpSpPr/>
+        <p:nvPr/>
+      </p:nvGrpSpPr>
+      <p:grpSpPr>
+        <a:xfrm>
+          <a:off x="0" y="0"/>
+          <a:ext cx="0" cy="0"/>
+          <a:chOff x="0" y="0"/>
+          <a:chExt cx="0" cy="0"/>
+        </a:xfrm>
+      </p:grpSpPr>
+      <p:sp>
+        <p:nvSpPr>
+          <p:cNvPr id="175" name="Google Shape;175;g2dc6cb66a83_0_130:notes"/>
+          <p:cNvSpPr/>
+          <p:nvPr>
+            <p:ph idx="2" type="sldImg"/>
+          </p:nvPr>
+        </p:nvSpPr>
+        <p:spPr>
+          <a:xfrm>
+            <a:off x="381300" y="685800"/>
+            <a:ext cx="6096000" cy="3429000"/>
+          </a:xfrm>
+          <a:custGeom>
+            <a:rect b="b" l="l" r="r" t="t"/>
+            <a:pathLst>
+              <a:path extrusionOk="0" h="120000" w="120000">
+                <a:moveTo>
+                  <a:pt x="0" y="0"/>
+                </a:moveTo>
+                <a:lnTo>
+                  <a:pt x="120000" y="0"/>
+                </a:lnTo>
+                <a:lnTo>
+                  <a:pt x="120000" y="120000"/>
+                </a:lnTo>
+                <a:lnTo>
+                  <a:pt x="0" y="120000"/>
+                </a:lnTo>
+                <a:close/>
+              </a:path>
+            </a:pathLst>
+          </a:custGeom>
+        </p:spPr>
+      </p:sp>
+      <p:sp>
+        <p:nvSpPr>
+          <p:cNvPr id="176" name="Google Shape;176;g2dc6cb66a83_0_130:notes"/>
           <p:cNvSpPr txBox="1"/>
           <p:nvPr>
             <p:ph idx="1" type="body"/>
@@ -8287,8 +8394,8 @@
         </p:blipFill>
         <p:spPr>
           <a:xfrm>
-            <a:off x="4637025" y="2125536"/>
-            <a:ext cx="4724400" cy="2656514"/>
+            <a:off x="4637025" y="2125525"/>
+            <a:ext cx="4506975" cy="2656525"/>
           </a:xfrm>
           <a:prstGeom prst="rect">
             <a:avLst/>
@@ -8648,6 +8755,18 @@
             <a:r>
               <a:rPr lang="es" sz="1200">
                 <a:solidFill>
+                  <a:schemeClr val="accent5"/>
+                </a:solidFill>
+                <a:latin typeface="Playfair Display"/>
+                <a:ea typeface="Playfair Display"/>
+                <a:cs typeface="Playfair Display"/>
+                <a:sym typeface="Playfair Display"/>
+              </a:rPr>
+              <a:t>Avantatge</a:t>
+            </a:r>
+            <a:r>
+              <a:rPr lang="es" sz="1200">
+                <a:solidFill>
                   <a:schemeClr val="dk2"/>
                 </a:solidFill>
                 <a:latin typeface="Playfair Display"/>
@@ -8655,7 +8774,7 @@
                 <a:cs typeface="Playfair Display"/>
                 <a:sym typeface="Playfair Display"/>
               </a:rPr>
-              <a:t>Avantatge:</a:t>
+              <a:t>:</a:t>
             </a:r>
             <a:endParaRPr sz="1200">
               <a:solidFill>
@@ -8692,7 +8811,31 @@
                 <a:cs typeface="Playfair Display"/>
                 <a:sym typeface="Playfair Display"/>
               </a:rPr>
-              <a:t>Es sencill d’implementar e interpretar</a:t>
+              <a:t>Es </a:t>
+            </a:r>
+            <a:r>
+              <a:rPr lang="es" sz="1200">
+                <a:solidFill>
+                  <a:schemeClr val="dk2"/>
+                </a:solidFill>
+                <a:latin typeface="Playfair Display"/>
+                <a:ea typeface="Playfair Display"/>
+                <a:cs typeface="Playfair Display"/>
+                <a:sym typeface="Playfair Display"/>
+              </a:rPr>
+              <a:t>senzill d’implementar</a:t>
+            </a:r>
+            <a:r>
+              <a:rPr lang="es" sz="1200">
+                <a:solidFill>
+                  <a:schemeClr val="dk2"/>
+                </a:solidFill>
+                <a:latin typeface="Playfair Display"/>
+                <a:ea typeface="Playfair Display"/>
+                <a:cs typeface="Playfair Display"/>
+                <a:sym typeface="Playfair Display"/>
+              </a:rPr>
+              <a:t> e interpretar</a:t>
             </a:r>
             <a:endParaRPr sz="1200">
               <a:solidFill>
@@ -8717,6 +8860,18 @@
             <a:r>
               <a:rPr lang="es" sz="1200">
                 <a:solidFill>
+                  <a:srgbClr val="980000"/>
+                </a:solidFill>
+                <a:latin typeface="Playfair Display"/>
+                <a:ea typeface="Playfair Display"/>
+                <a:cs typeface="Playfair Display"/>
+                <a:sym typeface="Playfair Display"/>
+              </a:rPr>
+              <a:t>Inconvenients</a:t>
+            </a:r>
+            <a:r>
+              <a:rPr lang="es" sz="1200">
+                <a:solidFill>
                   <a:schemeClr val="dk2"/>
                 </a:solidFill>
                 <a:latin typeface="Playfair Display"/>
@@ -8724,7 +8879,7 @@
                 <a:cs typeface="Playfair Display"/>
                 <a:sym typeface="Playfair Display"/>
               </a:rPr>
-              <a:t>Inconvenients:</a:t>
+              <a:t>:</a:t>
             </a:r>
             <a:endParaRPr sz="1200">
               <a:solidFill>
@@ -8884,6 +9039,92 @@
                 <a:sym typeface="Playfair Display"/>
               </a:rPr>
               <a:t> en compte l’espai</a:t>
+            </a:r>
+            <a:endParaRPr sz="1200">
+              <a:solidFill>
+                <a:schemeClr val="dk2"/>
+              </a:solidFill>
+              <a:latin typeface="Playfair Display"/>
+              <a:ea typeface="Playfair Display"/>
+              <a:cs typeface="Playfair Display"/>
+              <a:sym typeface="Playfair Display"/>
+            </a:endParaRPr>
+          </a:p>
+          <a:p>
+            <a:pPr indent="-304800" lvl="0" marL="457200" rtl="0" algn="l">
+              <a:spcBef>
+                <a:spcPts val="0"/>
+              </a:spcBef>
+              <a:spcAft>
+                <a:spcPts val="0"/>
+              </a:spcAft>
+              <a:buClr>
+                <a:schemeClr val="dk2"/>
+              </a:buClr>
+              <a:buSzPts val="1200"/>
+              <a:buFont typeface="Playfair Display"/>
+              <a:buChar char="●"/>
+            </a:pPr>
+            <a:r>
+              <a:rPr lang="es" sz="1200">
+                <a:solidFill>
+                  <a:schemeClr val="dk2"/>
+                </a:solidFill>
+                <a:latin typeface="Playfair Display"/>
+                <a:ea typeface="Playfair Display"/>
+                <a:cs typeface="Playfair Display"/>
+                <a:sym typeface="Playfair Display"/>
+              </a:rPr>
+              <a:t>Només</a:t>
+            </a:r>
+            <a:r>
+              <a:rPr lang="es" sz="1200">
+                <a:solidFill>
+                  <a:schemeClr val="dk2"/>
+                </a:solidFill>
+                <a:latin typeface="Playfair Display"/>
+                <a:ea typeface="Playfair Display"/>
+                <a:cs typeface="Playfair Display"/>
+                <a:sym typeface="Playfair Display"/>
+              </a:rPr>
+              <a:t> descriu defuncions per tot Catalunya</a:t>
+            </a:r>
+            <a:endParaRPr sz="1200">
+              <a:solidFill>
+                <a:schemeClr val="dk2"/>
+              </a:solidFill>
+              <a:latin typeface="Playfair Display"/>
+              <a:ea typeface="Playfair Display"/>
+              <a:cs typeface="Playfair Display"/>
+              <a:sym typeface="Playfair Display"/>
+            </a:endParaRPr>
+          </a:p>
+          <a:p>
+            <a:pPr indent="-304800" lvl="0" marL="457200" rtl="0" algn="l">
+              <a:spcBef>
+                <a:spcPts val="0"/>
+              </a:spcBef>
+              <a:spcAft>
+                <a:spcPts val="0"/>
+              </a:spcAft>
+              <a:buClr>
+                <a:schemeClr val="dk2"/>
+              </a:buClr>
+              <a:buSzPts val="1200"/>
+              <a:buFont typeface="Playfair Display"/>
+              <a:buChar char="●"/>
+            </a:pPr>
+            <a:r>
+              <a:rPr lang="es" sz="1200">
+                <a:solidFill>
+                  <a:schemeClr val="dk2"/>
+                </a:solidFill>
+                <a:latin typeface="Playfair Display"/>
+                <a:ea typeface="Playfair Display"/>
+                <a:cs typeface="Playfair Display"/>
+                <a:sym typeface="Playfair Display"/>
+              </a:rPr>
+              <a:t>Mal model per dades cero inflades (vacunes)</a:t>
             </a:r>
             <a:endParaRPr sz="1200">
               <a:solidFill>
@@ -9467,7 +9708,119 @@
             </a:pPr>
             <a:r>
               <a:rPr lang="es"/>
-              <a:t>Model jeràrquic (I)</a:t>
+              <a:t>Model lineal (IV)</a:t>
+            </a:r>
+            <a:endParaRPr/>
+          </a:p>
+        </p:txBody>
+      </p:sp>
+      <p:sp>
+        <p:nvSpPr>
+          <p:cNvPr id="151" name="Google Shape;151;p26"/>
+          <p:cNvSpPr txBox="1"/>
+          <p:nvPr>
+            <p:ph idx="1" type="body"/>
+          </p:nvPr>
+        </p:nvSpPr>
+        <p:spPr>
+          <a:xfrm>
+            <a:off x="311700" y="1234075"/>
+            <a:ext cx="4022700" cy="3334800"/>
+          </a:xfrm>
+          <a:prstGeom prst="rect">
+            <a:avLst/>
+          </a:prstGeom>
+        </p:spPr>
+        <p:txBody>
+          <a:bodyPr anchorCtr="0" anchor="t" bIns="91425" lIns="91425" spcFirstLastPara="1" rIns="91425" wrap="square" tIns="91425">
+            <a:normAutofit/>
+          </a:bodyPr>
+          <a:lstStyle/>
+          <a:p>
+            <a:pPr indent="0" lvl="0" marL="0" rtl="0" algn="l">
+              <a:spcBef>
+                <a:spcPts val="0"/>
+              </a:spcBef>
+              <a:spcAft>
+                <a:spcPts val="0"/>
+              </a:spcAft>
+              <a:buNone/>
+            </a:pPr>
+            <a:r>
+              <a:rPr lang="es"/>
+              <a:t>Posteriori predictiva no informativa:</a:t>
+            </a:r>
+            <a:endParaRPr/>
+          </a:p>
+          <a:p>
+            <a:pPr indent="-342900" lvl="0" marL="457200" rtl="0" algn="l">
+              <a:spcBef>
+                <a:spcPts val="1200"/>
+              </a:spcBef>
+              <a:spcAft>
+                <a:spcPts val="0"/>
+              </a:spcAft>
+              <a:buSzPts val="1800"/>
+              <a:buChar char="●"/>
+            </a:pPr>
+            <a:r>
+              <a:rPr lang="es"/>
+              <a:t>Centrat en</a:t>
+            </a:r>
+            <a:r>
+              <a:rPr lang="es">
+                <a:latin typeface="Roboto Serif"/>
+                <a:ea typeface="Roboto Serif"/>
+                <a:cs typeface="Roboto Serif"/>
+                <a:sym typeface="Roboto Serif"/>
+              </a:rPr>
+              <a:t> 0</a:t>
+            </a:r>
+            <a:r>
+              <a:rPr lang="es"/>
+              <a:t>… </a:t>
+            </a:r>
+            <a:endParaRPr/>
+          </a:p>
+          <a:p>
+            <a:pPr indent="-342900" lvl="0" marL="457200" rtl="0" algn="l">
+              <a:spcBef>
+                <a:spcPts val="0"/>
+              </a:spcBef>
+              <a:spcAft>
+                <a:spcPts val="0"/>
+              </a:spcAft>
+              <a:buSzPts val="1800"/>
+              <a:buChar char="●"/>
+            </a:pPr>
+            <a:r>
+              <a:rPr lang="es"/>
+              <a:t>… Pero massa variança!</a:t>
+            </a:r>
+            <a:endParaRPr/>
+          </a:p>
+          <a:p>
+            <a:pPr indent="-342900" lvl="0" marL="457200" rtl="0" algn="l">
+              <a:spcBef>
+                <a:spcPts val="0"/>
+              </a:spcBef>
+              <a:spcAft>
+                <a:spcPts val="0"/>
+              </a:spcAft>
+              <a:buSzPts val="1800"/>
+              <a:buChar char="●"/>
+            </a:pPr>
+            <a:r>
+              <a:rPr lang="es"/>
+              <a:t>Considera bastant </a:t>
+            </a:r>
+            <a:r>
+              <a:rPr lang="es"/>
+              <a:t>posibles</a:t>
+            </a:r>
+            <a:r>
+              <a:rPr lang="es"/>
+              <a:t> uns valors massa alts.</a:t>
             </a:r>
             <a:endParaRPr/>
           </a:p>
@@ -9475,7 +9828,7 @@
       </p:sp>
       <p:pic>
         <p:nvPicPr>
-          <p:cNvPr id="151" name="Google Shape;151;p26"/>
+          <p:cNvPr id="152" name="Google Shape;152;p26"/>
           <p:cNvPicPr preferRelativeResize="0"/>
           <p:nvPr/>
         </p:nvPicPr>
@@ -9489,64 +9842,8 @@
         </p:blipFill>
         <p:spPr>
           <a:xfrm>
-            <a:off x="3424238" y="1538525"/>
-            <a:ext cx="2295525" cy="466725"/>
-          </a:xfrm>
-          <a:prstGeom prst="rect">
-            <a:avLst/>
-          </a:prstGeom>
-          <a:noFill/>
-          <a:ln>
-            <a:noFill/>
-          </a:ln>
-        </p:spPr>
-      </p:pic>
-      <p:pic>
-        <p:nvPicPr>
-          <p:cNvPr id="152" name="Google Shape;152;p26"/>
-          <p:cNvPicPr preferRelativeResize="0"/>
-          <p:nvPr/>
-        </p:nvPicPr>
-        <p:blipFill>
-          <a:blip r:embed="rId4">
-            <a:alphaModFix/>
-          </a:blip>
-          <a:stretch>
-            <a:fillRect/>
-          </a:stretch>
-        </p:blipFill>
-        <p:spPr>
-          <a:xfrm>
-            <a:off x="2745400" y="2005250"/>
-            <a:ext cx="4305300" cy="323850"/>
-          </a:xfrm>
-          <a:prstGeom prst="rect">
-            <a:avLst/>
-          </a:prstGeom>
-          <a:noFill/>
-          <a:ln>
-            <a:noFill/>
-          </a:ln>
-        </p:spPr>
-      </p:pic>
-      <p:pic>
-        <p:nvPicPr>
-          <p:cNvPr id="153" name="Google Shape;153;p26"/>
-          <p:cNvPicPr preferRelativeResize="0"/>
-          <p:nvPr/>
-        </p:nvPicPr>
-        <p:blipFill>
-          <a:blip r:embed="rId5">
-            <a:alphaModFix/>
-          </a:blip>
-          <a:stretch>
-            <a:fillRect/>
-          </a:stretch>
-        </p:blipFill>
-        <p:spPr>
-          <a:xfrm>
-            <a:off x="487350" y="2526050"/>
-            <a:ext cx="7829550" cy="1990725"/>
+            <a:off x="4558902" y="1134300"/>
+            <a:ext cx="4273401" cy="3534350"/>
           </a:xfrm>
           <a:prstGeom prst="rect">
             <a:avLst/>
@@ -9570,7 +9867,7 @@
   <p:cSld>
     <p:spTree>
       <p:nvGrpSpPr>
-        <p:cNvPr id="157" name="Shape 157"/>
+        <p:cNvPr id="156" name="Shape 156"/>
         <p:cNvGrpSpPr/>
         <p:nvPr/>
       </p:nvGrpSpPr>
@@ -9584,7 +9881,7 @@
       </p:grpSpPr>
       <p:sp>
         <p:nvSpPr>
-          <p:cNvPr id="158" name="Google Shape;158;p27"/>
+          <p:cNvPr id="157" name="Google Shape;157;p27"/>
           <p:cNvSpPr txBox="1"/>
           <p:nvPr>
             <p:ph type="title"/>
@@ -9612,16 +9909,11 @@
               <a:spcAft>
                 <a:spcPts val="0"/>
               </a:spcAft>
-              <a:buClr>
-                <a:schemeClr val="dk2"/>
-              </a:buClr>
-              <a:buSzPct val="36666"/>
-              <a:buFont typeface="Arial"/>
               <a:buNone/>
             </a:pPr>
             <a:r>
               <a:rPr lang="es"/>
-              <a:t>Model jeràrquic (II)</a:t>
+              <a:t>Model jeràrquic (I)</a:t>
             </a:r>
             <a:endParaRPr/>
           </a:p>
@@ -9629,7 +9921,7 @@
       </p:sp>
       <p:pic>
         <p:nvPicPr>
-          <p:cNvPr id="159" name="Google Shape;159;p27"/>
+          <p:cNvPr id="158" name="Google Shape;158;p27"/>
           <p:cNvPicPr preferRelativeResize="0"/>
           <p:nvPr/>
         </p:nvPicPr>
@@ -9643,8 +9935,8 @@
         </p:blipFill>
         <p:spPr>
           <a:xfrm>
-            <a:off x="662500" y="1212650"/>
-            <a:ext cx="7716350" cy="1552575"/>
+            <a:off x="3424238" y="1538525"/>
+            <a:ext cx="2295525" cy="466725"/>
           </a:xfrm>
           <a:prstGeom prst="rect">
             <a:avLst/>
@@ -9657,7 +9949,7 @@
       </p:pic>
       <p:pic>
         <p:nvPicPr>
-          <p:cNvPr id="160" name="Google Shape;160;p27"/>
+          <p:cNvPr id="159" name="Google Shape;159;p27"/>
           <p:cNvPicPr preferRelativeResize="0"/>
           <p:nvPr/>
         </p:nvPicPr>
@@ -9671,8 +9963,36 @@
         </p:blipFill>
         <p:spPr>
           <a:xfrm>
-            <a:off x="1282175" y="2765225"/>
-            <a:ext cx="7096663" cy="2073475"/>
+            <a:off x="2745400" y="2005250"/>
+            <a:ext cx="4305300" cy="323850"/>
+          </a:xfrm>
+          <a:prstGeom prst="rect">
+            <a:avLst/>
+          </a:prstGeom>
+          <a:noFill/>
+          <a:ln>
+            <a:noFill/>
+          </a:ln>
+        </p:spPr>
+      </p:pic>
+      <p:pic>
+        <p:nvPicPr>
+          <p:cNvPr id="160" name="Google Shape;160;p27"/>
+          <p:cNvPicPr preferRelativeResize="0"/>
+          <p:nvPr/>
+        </p:nvPicPr>
+        <p:blipFill>
+          <a:blip r:embed="rId5">
+            <a:alphaModFix/>
+          </a:blip>
+          <a:stretch>
+            <a:fillRect/>
+          </a:stretch>
+        </p:blipFill>
+        <p:spPr>
+          <a:xfrm>
+            <a:off x="487350" y="2526050"/>
+            <a:ext cx="7829550" cy="1990725"/>
           </a:xfrm>
           <a:prstGeom prst="rect">
             <a:avLst/>
@@ -9747,22 +10067,7 @@
             </a:pPr>
             <a:r>
               <a:rPr lang="es"/>
-              <a:t>Model jeràrquic (III)</a:t>
-            </a:r>
-            <a:endParaRPr/>
-          </a:p>
-          <a:p>
-            <a:pPr indent="0" lvl="0" marL="0" rtl="0" algn="l">
-              <a:spcBef>
-                <a:spcPts val="0"/>
-              </a:spcBef>
-              <a:spcAft>
-                <a:spcPts val="0"/>
-              </a:spcAft>
-              <a:buNone/>
-            </a:pPr>
-            <a:r>
-              <a:t/>
+              <a:t>Model jeràrquic (II)</a:t>
             </a:r>
             <a:endParaRPr/>
           </a:p>
@@ -9784,8 +10089,36 @@
         </p:blipFill>
         <p:spPr>
           <a:xfrm>
-            <a:off x="1519238" y="1439350"/>
-            <a:ext cx="6105525" cy="2495550"/>
+            <a:off x="662500" y="1212650"/>
+            <a:ext cx="7716350" cy="1552575"/>
+          </a:xfrm>
+          <a:prstGeom prst="rect">
+            <a:avLst/>
+          </a:prstGeom>
+          <a:noFill/>
+          <a:ln>
+            <a:noFill/>
+          </a:ln>
+        </p:spPr>
+      </p:pic>
+      <p:pic>
+        <p:nvPicPr>
+          <p:cNvPr id="167" name="Google Shape;167;p28"/>
+          <p:cNvPicPr preferRelativeResize="0"/>
+          <p:nvPr/>
+        </p:nvPicPr>
+        <p:blipFill>
+          <a:blip r:embed="rId4">
+            <a:alphaModFix/>
+          </a:blip>
+          <a:stretch>
+            <a:fillRect/>
+          </a:stretch>
+        </p:blipFill>
+        <p:spPr>
+          <a:xfrm>
+            <a:off x="1282175" y="2765225"/>
+            <a:ext cx="7096663" cy="2073475"/>
           </a:xfrm>
           <a:prstGeom prst="rect">
             <a:avLst/>
@@ -9809,7 +10142,7 @@
   <p:cSld>
     <p:spTree>
       <p:nvGrpSpPr>
-        <p:cNvPr id="170" name="Shape 170"/>
+        <p:cNvPr id="171" name="Shape 171"/>
         <p:cNvGrpSpPr/>
         <p:nvPr/>
       </p:nvGrpSpPr>
@@ -9823,7 +10156,7 @@
       </p:grpSpPr>
       <p:sp>
         <p:nvSpPr>
-          <p:cNvPr id="171" name="Google Shape;171;p29"/>
+          <p:cNvPr id="172" name="Google Shape;172;p29"/>
           <p:cNvSpPr txBox="1"/>
           <p:nvPr>
             <p:ph type="title"/>
@@ -9851,6 +10184,119 @@
               <a:spcAft>
                 <a:spcPts val="0"/>
               </a:spcAft>
+              <a:buClr>
+                <a:schemeClr val="dk2"/>
+              </a:buClr>
+              <a:buSzPct val="36666"/>
+              <a:buFont typeface="Arial"/>
+              <a:buNone/>
+            </a:pPr>
+            <a:r>
+              <a:rPr lang="es"/>
+              <a:t>Model jeràrquic (III)</a:t>
+            </a:r>
+            <a:endParaRPr/>
+          </a:p>
+          <a:p>
+            <a:pPr indent="0" lvl="0" marL="0" rtl="0" algn="l">
+              <a:spcBef>
+                <a:spcPts val="0"/>
+              </a:spcBef>
+              <a:spcAft>
+                <a:spcPts val="0"/>
+              </a:spcAft>
+              <a:buNone/>
+            </a:pPr>
+            <a:r>
+              <a:t/>
+            </a:r>
+            <a:endParaRPr/>
+          </a:p>
+        </p:txBody>
+      </p:sp>
+      <p:pic>
+        <p:nvPicPr>
+          <p:cNvPr id="173" name="Google Shape;173;p29"/>
+          <p:cNvPicPr preferRelativeResize="0"/>
+          <p:nvPr/>
+        </p:nvPicPr>
+        <p:blipFill>
+          <a:blip r:embed="rId3">
+            <a:alphaModFix/>
+          </a:blip>
+          <a:stretch>
+            <a:fillRect/>
+          </a:stretch>
+        </p:blipFill>
+        <p:spPr>
+          <a:xfrm>
+            <a:off x="1519238" y="1439350"/>
+            <a:ext cx="6105525" cy="2495550"/>
+          </a:xfrm>
+          <a:prstGeom prst="rect">
+            <a:avLst/>
+          </a:prstGeom>
+          <a:noFill/>
+          <a:ln>
+            <a:noFill/>
+          </a:ln>
+        </p:spPr>
+      </p:pic>
+    </p:spTree>
+  </p:cSld>
+  <p:clrMapOvr>
+    <a:masterClrMapping/>
+  </p:clrMapOvr>
+</p:sld>
+</file>
+
+<file path=ppt/slides/slide18.xml><?xml version="1.0" encoding="utf-8"?>
+<p:sld xmlns:a="http://schemas.openxmlformats.org/drawingml/2006/main" xmlns:r="http://schemas.openxmlformats.org/officeDocument/2006/relationships" xmlns:mc="http://schemas.openxmlformats.org/markup-compatibility/2006" xmlns:mv="urn:schemas-microsoft-com:mac:vml" xmlns:p="http://schemas.openxmlformats.org/presentationml/2006/main" xmlns:c="http://schemas.openxmlformats.org/drawingml/2006/chart" xmlns:dgm="http://schemas.openxmlformats.org/drawingml/2006/diagram" xmlns:o="urn:schemas-microsoft-com:office:office" xmlns:v="urn:schemas-microsoft-com:vml" xmlns:pvml="urn:schemas-microsoft-com:office:powerpoint" xmlns:com="http://schemas.openxmlformats.org/drawingml/2006/compatibility" xmlns:p14="http://schemas.microsoft.com/office/powerpoint/2010/main" xmlns:p15="http://schemas.microsoft.com/office/powerpoint/2012/main" xmlns:ahyp="http://schemas.microsoft.com/office/drawing/2018/hyperlinkcolor">
+  <p:cSld>
+    <p:spTree>
+      <p:nvGrpSpPr>
+        <p:cNvPr id="177" name="Shape 177"/>
+        <p:cNvGrpSpPr/>
+        <p:nvPr/>
+      </p:nvGrpSpPr>
+      <p:grpSpPr>
+        <a:xfrm>
+          <a:off x="0" y="0"/>
+          <a:ext cx="0" cy="0"/>
+          <a:chOff x="0" y="0"/>
+          <a:chExt cx="0" cy="0"/>
+        </a:xfrm>
+      </p:grpSpPr>
+      <p:sp>
+        <p:nvSpPr>
+          <p:cNvPr id="178" name="Google Shape;178;p30"/>
+          <p:cNvSpPr txBox="1"/>
+          <p:nvPr>
+            <p:ph type="title"/>
+          </p:nvPr>
+        </p:nvSpPr>
+        <p:spPr>
+          <a:xfrm>
+            <a:off x="311700" y="445025"/>
+            <a:ext cx="8520600" cy="572700"/>
+          </a:xfrm>
+          <a:prstGeom prst="rect">
+            <a:avLst/>
+          </a:prstGeom>
+        </p:spPr>
+        <p:txBody>
+          <a:bodyPr anchorCtr="0" anchor="t" bIns="91425" lIns="91425" spcFirstLastPara="1" rIns="91425" wrap="square" tIns="91425">
+            <a:normAutofit fontScale="90000"/>
+          </a:bodyPr>
+          <a:lstStyle/>
+          <a:p>
+            <a:pPr indent="0" lvl="0" marL="0" rtl="0" algn="l">
+              <a:spcBef>
+                <a:spcPts val="0"/>
+              </a:spcBef>
+              <a:spcAft>
+                <a:spcPts val="0"/>
+              </a:spcAft>
               <a:buNone/>
             </a:pPr>
             <a:r>
@@ -9863,7 +10309,7 @@
       </p:sp>
       <p:sp>
         <p:nvSpPr>
-          <p:cNvPr id="172" name="Google Shape;172;p29"/>
+          <p:cNvPr id="179" name="Google Shape;179;p30"/>
           <p:cNvSpPr txBox="1"/>
           <p:nvPr>
             <p:ph idx="1" type="body"/>
@@ -9979,7 +10425,31 @@
             </a:pPr>
             <a:r>
               <a:rPr lang="es"/>
-              <a:t>Com modelitzar adhientment l’evolució del COVID en l’espai? Quins models espaials alternatius proposariau?</a:t>
+              <a:t>Com modelitzar </a:t>
+            </a:r>
+            <a:r>
+              <a:rPr lang="es"/>
+              <a:t>adientment</a:t>
+            </a:r>
+            <a:r>
+              <a:rPr lang="es"/>
+              <a:t> l’evolució del COVID en l’espai? Quins models </a:t>
+            </a:r>
+            <a:r>
+              <a:rPr lang="es"/>
+              <a:t>espacials</a:t>
+            </a:r>
+            <a:r>
+              <a:rPr lang="es"/>
+              <a:t> alternatius </a:t>
+            </a:r>
+            <a:r>
+              <a:rPr lang="es"/>
+              <a:t>proposaríeu</a:t>
+            </a:r>
+            <a:r>
+              <a:rPr lang="es"/>
+              <a:t>?</a:t>
             </a:r>
             <a:endParaRPr/>
           </a:p>
@@ -9996,7 +10466,15 @@
             </a:pPr>
             <a:r>
               <a:rPr lang="es"/>
-              <a:t>Com es pot capturar tant informació espaial com temporal de les dades? Com combinar i normalitzar tantes dades tan heterogenies?</a:t>
+              <a:t>Com es pot capturar tant informació espaial com temporal de les dades? Com combinar i normalitzar tantes dades tan </a:t>
+            </a:r>
+            <a:r>
+              <a:rPr lang="es"/>
+              <a:t>heterogéneas</a:t>
+            </a:r>
+            <a:r>
+              <a:rPr lang="es"/>
+              <a:t>?</a:t>
             </a:r>
             <a:endParaRPr/>
           </a:p>
